--- a/src/ppt2.pptx
+++ b/src/ppt2.pptx
@@ -837,7 +837,7 @@
             <a:fld id="{48A87A34-81AB-432B-8DAE-1953F412C126}" type="datetimeFigureOut">
               <a:rPr lang="en-US" smtClean="0"/>
               <a:pPr/>
-              <a:t>8/13/2017</a:t>
+              <a:t>8/22/2017</a:t>
             </a:fld>
             <a:endParaRPr lang="en-US" dirty="0"/>
           </a:p>
@@ -889,7 +889,7 @@
     </p:spTree>
     <p:extLst>
       <p:ext uri="{BB962C8B-B14F-4D97-AF65-F5344CB8AC3E}">
-        <p14:creationId xmlns:p14="http://schemas.microsoft.com/office/powerpoint/2010/main" xmlns="" val="2379700270"/>
+        <p14:creationId xmlns="" xmlns:p14="http://schemas.microsoft.com/office/powerpoint/2010/main" val="2379700270"/>
       </p:ext>
     </p:extLst>
   </p:cSld>
@@ -1090,7 +1090,7 @@
             <a:fld id="{48A87A34-81AB-432B-8DAE-1953F412C126}" type="datetimeFigureOut">
               <a:rPr lang="en-US" smtClean="0"/>
               <a:pPr/>
-              <a:t>8/13/2017</a:t>
+              <a:t>8/22/2017</a:t>
             </a:fld>
             <a:endParaRPr lang="en-US" dirty="0"/>
           </a:p>
@@ -1142,7 +1142,7 @@
     </p:spTree>
     <p:extLst>
       <p:ext uri="{BB962C8B-B14F-4D97-AF65-F5344CB8AC3E}">
-        <p14:creationId xmlns:p14="http://schemas.microsoft.com/office/powerpoint/2010/main" xmlns="" val="1804991245"/>
+        <p14:creationId xmlns="" xmlns:p14="http://schemas.microsoft.com/office/powerpoint/2010/main" val="1804991245"/>
       </p:ext>
     </p:extLst>
   </p:cSld>
@@ -1406,7 +1406,7 @@
             <a:fld id="{48A87A34-81AB-432B-8DAE-1953F412C126}" type="datetimeFigureOut">
               <a:rPr lang="en-US" smtClean="0"/>
               <a:pPr/>
-              <a:t>8/13/2017</a:t>
+              <a:t>8/22/2017</a:t>
             </a:fld>
             <a:endParaRPr lang="en-US" dirty="0"/>
           </a:p>
@@ -1548,7 +1548,7 @@
     </p:spTree>
     <p:extLst>
       <p:ext uri="{BB962C8B-B14F-4D97-AF65-F5344CB8AC3E}">
-        <p14:creationId xmlns:p14="http://schemas.microsoft.com/office/powerpoint/2010/main" xmlns="" val="1473712570"/>
+        <p14:creationId xmlns="" xmlns:p14="http://schemas.microsoft.com/office/powerpoint/2010/main" val="1473712570"/>
       </p:ext>
     </p:extLst>
   </p:cSld>
@@ -1749,7 +1749,7 @@
             <a:fld id="{48A87A34-81AB-432B-8DAE-1953F412C126}" type="datetimeFigureOut">
               <a:rPr lang="en-US" smtClean="0"/>
               <a:pPr/>
-              <a:t>8/13/2017</a:t>
+              <a:t>8/22/2017</a:t>
             </a:fld>
             <a:endParaRPr lang="en-US" dirty="0"/>
           </a:p>
@@ -1801,7 +1801,7 @@
     </p:spTree>
     <p:extLst>
       <p:ext uri="{BB962C8B-B14F-4D97-AF65-F5344CB8AC3E}">
-        <p14:creationId xmlns:p14="http://schemas.microsoft.com/office/powerpoint/2010/main" xmlns="" val="2530574234"/>
+        <p14:creationId xmlns="" xmlns:p14="http://schemas.microsoft.com/office/powerpoint/2010/main" val="2530574234"/>
       </p:ext>
     </p:extLst>
   </p:cSld>
@@ -2065,7 +2065,7 @@
             <a:fld id="{48A87A34-81AB-432B-8DAE-1953F412C126}" type="datetimeFigureOut">
               <a:rPr lang="en-US" smtClean="0"/>
               <a:pPr/>
-              <a:t>8/13/2017</a:t>
+              <a:t>8/22/2017</a:t>
             </a:fld>
             <a:endParaRPr lang="en-US" dirty="0"/>
           </a:p>
@@ -2199,7 +2199,7 @@
     </p:spTree>
     <p:extLst>
       <p:ext uri="{BB962C8B-B14F-4D97-AF65-F5344CB8AC3E}">
-        <p14:creationId xmlns:p14="http://schemas.microsoft.com/office/powerpoint/2010/main" xmlns="" val="1004790222"/>
+        <p14:creationId xmlns="" xmlns:p14="http://schemas.microsoft.com/office/powerpoint/2010/main" val="1004790222"/>
       </p:ext>
     </p:extLst>
   </p:cSld>
@@ -2460,7 +2460,7 @@
             <a:fld id="{48A87A34-81AB-432B-8DAE-1953F412C126}" type="datetimeFigureOut">
               <a:rPr lang="en-US" smtClean="0"/>
               <a:pPr/>
-              <a:t>8/13/2017</a:t>
+              <a:t>8/22/2017</a:t>
             </a:fld>
             <a:endParaRPr lang="en-US" dirty="0"/>
           </a:p>
@@ -2512,7 +2512,7 @@
     </p:spTree>
     <p:extLst>
       <p:ext uri="{BB962C8B-B14F-4D97-AF65-F5344CB8AC3E}">
-        <p14:creationId xmlns:p14="http://schemas.microsoft.com/office/powerpoint/2010/main" xmlns="" val="3328784466"/>
+        <p14:creationId xmlns="" xmlns:p14="http://schemas.microsoft.com/office/powerpoint/2010/main" val="3328784466"/>
       </p:ext>
     </p:extLst>
   </p:cSld>
@@ -2632,7 +2632,7 @@
             <a:fld id="{48A87A34-81AB-432B-8DAE-1953F412C126}" type="datetimeFigureOut">
               <a:rPr lang="en-US" smtClean="0"/>
               <a:pPr/>
-              <a:t>8/13/2017</a:t>
+              <a:t>8/22/2017</a:t>
             </a:fld>
             <a:endParaRPr lang="en-US" dirty="0"/>
           </a:p>
@@ -2684,7 +2684,7 @@
     </p:spTree>
     <p:extLst>
       <p:ext uri="{BB962C8B-B14F-4D97-AF65-F5344CB8AC3E}">
-        <p14:creationId xmlns:p14="http://schemas.microsoft.com/office/powerpoint/2010/main" xmlns="" val="1447070425"/>
+        <p14:creationId xmlns="" xmlns:p14="http://schemas.microsoft.com/office/powerpoint/2010/main" val="1447070425"/>
       </p:ext>
     </p:extLst>
   </p:cSld>
@@ -2814,7 +2814,7 @@
             <a:fld id="{48A87A34-81AB-432B-8DAE-1953F412C126}" type="datetimeFigureOut">
               <a:rPr lang="en-US" smtClean="0"/>
               <a:pPr/>
-              <a:t>8/13/2017</a:t>
+              <a:t>8/22/2017</a:t>
             </a:fld>
             <a:endParaRPr lang="en-US" dirty="0"/>
           </a:p>
@@ -2866,7 +2866,7 @@
     </p:spTree>
     <p:extLst>
       <p:ext uri="{BB962C8B-B14F-4D97-AF65-F5344CB8AC3E}">
-        <p14:creationId xmlns:p14="http://schemas.microsoft.com/office/powerpoint/2010/main" xmlns="" val="3648480235"/>
+        <p14:creationId xmlns="" xmlns:p14="http://schemas.microsoft.com/office/powerpoint/2010/main" val="3648480235"/>
       </p:ext>
     </p:extLst>
   </p:cSld>
@@ -2992,7 +2992,7 @@
             <a:fld id="{48A87A34-81AB-432B-8DAE-1953F412C126}" type="datetimeFigureOut">
               <a:rPr lang="en-US" smtClean="0"/>
               <a:pPr/>
-              <a:t>8/13/2017</a:t>
+              <a:t>8/22/2017</a:t>
             </a:fld>
             <a:endParaRPr lang="en-US" dirty="0"/>
           </a:p>
@@ -3044,7 +3044,7 @@
     </p:spTree>
     <p:extLst>
       <p:ext uri="{BB962C8B-B14F-4D97-AF65-F5344CB8AC3E}">
-        <p14:creationId xmlns:p14="http://schemas.microsoft.com/office/powerpoint/2010/main" xmlns="" val="2649633687"/>
+        <p14:creationId xmlns="" xmlns:p14="http://schemas.microsoft.com/office/powerpoint/2010/main" val="2649633687"/>
       </p:ext>
     </p:extLst>
   </p:cSld>
@@ -3241,7 +3241,7 @@
             <a:fld id="{48A87A34-81AB-432B-8DAE-1953F412C126}" type="datetimeFigureOut">
               <a:rPr lang="en-US" smtClean="0"/>
               <a:pPr/>
-              <a:t>8/13/2017</a:t>
+              <a:t>8/22/2017</a:t>
             </a:fld>
             <a:endParaRPr lang="en-US" dirty="0"/>
           </a:p>
@@ -3293,7 +3293,7 @@
     </p:spTree>
     <p:extLst>
       <p:ext uri="{BB962C8B-B14F-4D97-AF65-F5344CB8AC3E}">
-        <p14:creationId xmlns:p14="http://schemas.microsoft.com/office/powerpoint/2010/main" xmlns="" val="572893903"/>
+        <p14:creationId xmlns="" xmlns:p14="http://schemas.microsoft.com/office/powerpoint/2010/main" val="572893903"/>
       </p:ext>
     </p:extLst>
   </p:cSld>
@@ -3475,7 +3475,7 @@
             <a:fld id="{48A87A34-81AB-432B-8DAE-1953F412C126}" type="datetimeFigureOut">
               <a:rPr lang="en-US" smtClean="0"/>
               <a:pPr/>
-              <a:t>8/13/2017</a:t>
+              <a:t>8/22/2017</a:t>
             </a:fld>
             <a:endParaRPr lang="en-US" dirty="0"/>
           </a:p>
@@ -3527,7 +3527,7 @@
     </p:spTree>
     <p:extLst>
       <p:ext uri="{BB962C8B-B14F-4D97-AF65-F5344CB8AC3E}">
-        <p14:creationId xmlns:p14="http://schemas.microsoft.com/office/powerpoint/2010/main" xmlns="" val="3918475607"/>
+        <p14:creationId xmlns="" xmlns:p14="http://schemas.microsoft.com/office/powerpoint/2010/main" val="3918475607"/>
       </p:ext>
     </p:extLst>
   </p:cSld>
@@ -3851,7 +3851,7 @@
             <a:fld id="{48A87A34-81AB-432B-8DAE-1953F412C126}" type="datetimeFigureOut">
               <a:rPr lang="en-US" smtClean="0"/>
               <a:pPr/>
-              <a:t>8/13/2017</a:t>
+              <a:t>8/22/2017</a:t>
             </a:fld>
             <a:endParaRPr lang="en-US" dirty="0"/>
           </a:p>
@@ -3903,7 +3903,7 @@
     </p:spTree>
     <p:extLst>
       <p:ext uri="{BB962C8B-B14F-4D97-AF65-F5344CB8AC3E}">
-        <p14:creationId xmlns:p14="http://schemas.microsoft.com/office/powerpoint/2010/main" xmlns="" val="70569158"/>
+        <p14:creationId xmlns="" xmlns:p14="http://schemas.microsoft.com/office/powerpoint/2010/main" val="70569158"/>
       </p:ext>
     </p:extLst>
   </p:cSld>
@@ -3976,7 +3976,7 @@
             <a:fld id="{48A87A34-81AB-432B-8DAE-1953F412C126}" type="datetimeFigureOut">
               <a:rPr lang="en-US" smtClean="0"/>
               <a:pPr/>
-              <a:t>8/13/2017</a:t>
+              <a:t>8/22/2017</a:t>
             </a:fld>
             <a:endParaRPr lang="en-US" dirty="0"/>
           </a:p>
@@ -4028,7 +4028,7 @@
     </p:spTree>
     <p:extLst>
       <p:ext uri="{BB962C8B-B14F-4D97-AF65-F5344CB8AC3E}">
-        <p14:creationId xmlns:p14="http://schemas.microsoft.com/office/powerpoint/2010/main" xmlns="" val="3956773614"/>
+        <p14:creationId xmlns="" xmlns:p14="http://schemas.microsoft.com/office/powerpoint/2010/main" val="3956773614"/>
       </p:ext>
     </p:extLst>
   </p:cSld>
@@ -4073,7 +4073,7 @@
             <a:fld id="{48A87A34-81AB-432B-8DAE-1953F412C126}" type="datetimeFigureOut">
               <a:rPr lang="en-US" smtClean="0"/>
               <a:pPr/>
-              <a:t>8/13/2017</a:t>
+              <a:t>8/22/2017</a:t>
             </a:fld>
             <a:endParaRPr lang="en-US" dirty="0"/>
           </a:p>
@@ -4125,7 +4125,7 @@
     </p:spTree>
     <p:extLst>
       <p:ext uri="{BB962C8B-B14F-4D97-AF65-F5344CB8AC3E}">
-        <p14:creationId xmlns:p14="http://schemas.microsoft.com/office/powerpoint/2010/main" xmlns="" val="843387325"/>
+        <p14:creationId xmlns="" xmlns:p14="http://schemas.microsoft.com/office/powerpoint/2010/main" val="843387325"/>
       </p:ext>
     </p:extLst>
   </p:cSld>
@@ -4330,7 +4330,7 @@
             <a:fld id="{48A87A34-81AB-432B-8DAE-1953F412C126}" type="datetimeFigureOut">
               <a:rPr lang="en-US" smtClean="0"/>
               <a:pPr/>
-              <a:t>8/13/2017</a:t>
+              <a:t>8/22/2017</a:t>
             </a:fld>
             <a:endParaRPr lang="en-US" dirty="0"/>
           </a:p>
@@ -4382,7 +4382,7 @@
     </p:spTree>
     <p:extLst>
       <p:ext uri="{BB962C8B-B14F-4D97-AF65-F5344CB8AC3E}">
-        <p14:creationId xmlns:p14="http://schemas.microsoft.com/office/powerpoint/2010/main" xmlns="" val="614752468"/>
+        <p14:creationId xmlns="" xmlns:p14="http://schemas.microsoft.com/office/powerpoint/2010/main" val="614752468"/>
       </p:ext>
     </p:extLst>
   </p:cSld>
@@ -4595,7 +4595,7 @@
             <a:fld id="{48A87A34-81AB-432B-8DAE-1953F412C126}" type="datetimeFigureOut">
               <a:rPr lang="en-US" smtClean="0"/>
               <a:pPr/>
-              <a:t>8/13/2017</a:t>
+              <a:t>8/22/2017</a:t>
             </a:fld>
             <a:endParaRPr lang="en-US" dirty="0"/>
           </a:p>
@@ -4647,7 +4647,7 @@
     </p:spTree>
     <p:extLst>
       <p:ext uri="{BB962C8B-B14F-4D97-AF65-F5344CB8AC3E}">
-        <p14:creationId xmlns:p14="http://schemas.microsoft.com/office/powerpoint/2010/main" xmlns="" val="2525773852"/>
+        <p14:creationId xmlns="" xmlns:p14="http://schemas.microsoft.com/office/powerpoint/2010/main" val="2525773852"/>
       </p:ext>
     </p:extLst>
   </p:cSld>
@@ -5340,7 +5340,7 @@
             <a:fld id="{48A87A34-81AB-432B-8DAE-1953F412C126}" type="datetimeFigureOut">
               <a:rPr lang="en-US" smtClean="0"/>
               <a:pPr/>
-              <a:t>8/13/2017</a:t>
+              <a:t>8/22/2017</a:t>
             </a:fld>
             <a:endParaRPr lang="en-US" dirty="0"/>
           </a:p>
@@ -5426,7 +5426,7 @@
     </p:spTree>
     <p:extLst>
       <p:ext uri="{BB962C8B-B14F-4D97-AF65-F5344CB8AC3E}">
-        <p14:creationId xmlns:p14="http://schemas.microsoft.com/office/powerpoint/2010/main" xmlns="" val="2849168193"/>
+        <p14:creationId xmlns="" xmlns:p14="http://schemas.microsoft.com/office/powerpoint/2010/main" val="2849168193"/>
       </p:ext>
     </p:extLst>
   </p:cSld>
@@ -5920,7 +5920,7 @@
     </p:spTree>
     <p:extLst>
       <p:ext uri="{BB962C8B-B14F-4D97-AF65-F5344CB8AC3E}">
-        <p14:creationId xmlns:p14="http://schemas.microsoft.com/office/powerpoint/2010/main" xmlns="" val="1597654807"/>
+        <p14:creationId xmlns="" xmlns:p14="http://schemas.microsoft.com/office/powerpoint/2010/main" val="1597654807"/>
       </p:ext>
     </p:extLst>
   </p:cSld>
@@ -6012,16 +6012,11 @@
               <a:rPr lang="he-IL" sz="4000" dirty="0" smtClean="0"/>
               <a:t> מערכות</a:t>
             </a:r>
-            <a:endParaRPr lang="he-IL" sz="4000" dirty="0" smtClean="0"/>
           </a:p>
           <a:p>
             <a:r>
               <a:rPr lang="he-IL" sz="4000" dirty="0" smtClean="0"/>
-              <a:t> מערכת </a:t>
-            </a:r>
-            <a:r>
-              <a:rPr lang="he-IL" sz="4000" dirty="0" smtClean="0"/>
-              <a:t>מיחשוב</a:t>
+              <a:t> מערכת מיחשוב</a:t>
             </a:r>
           </a:p>
           <a:p>
@@ -6029,16 +6024,11 @@
               <a:rPr lang="he-IL" sz="4000" dirty="0" smtClean="0"/>
               <a:t> מערכת רובוטית</a:t>
             </a:r>
-            <a:endParaRPr lang="he-IL" sz="4000" dirty="0" smtClean="0"/>
           </a:p>
           <a:p>
             <a:r>
               <a:rPr lang="he-IL" sz="4000" dirty="0" smtClean="0"/>
-              <a:t> בואו נבנה רובוט</a:t>
-            </a:r>
-            <a:r>
-              <a:rPr lang="he-IL" sz="4000" dirty="0" smtClean="0"/>
-              <a:t>!</a:t>
+              <a:t> בואו נבנה רובוט!</a:t>
             </a:r>
           </a:p>
           <a:p>
@@ -6046,7 +6036,6 @@
               <a:rPr lang="he-IL" sz="4000" dirty="0" smtClean="0"/>
               <a:t>סדר וניקיון</a:t>
             </a:r>
-            <a:endParaRPr lang="he-IL" sz="4000" dirty="0" smtClean="0"/>
           </a:p>
           <a:p>
             <a:pPr>
@@ -6059,7 +6048,7 @@
     </p:spTree>
     <p:extLst>
       <p:ext uri="{BB962C8B-B14F-4D97-AF65-F5344CB8AC3E}">
-        <p14:creationId xmlns:p14="http://schemas.microsoft.com/office/powerpoint/2010/main" xmlns="" val="2508929371"/>
+        <p14:creationId xmlns="" xmlns:p14="http://schemas.microsoft.com/office/powerpoint/2010/main" val="2508929371"/>
       </p:ext>
     </p:extLst>
   </p:cSld>
@@ -6163,7 +6152,7 @@
     </p:spTree>
     <p:extLst>
       <p:ext uri="{BB962C8B-B14F-4D97-AF65-F5344CB8AC3E}">
-        <p14:creationId xmlns:p14="http://schemas.microsoft.com/office/powerpoint/2010/main" xmlns="" val="2508929371"/>
+        <p14:creationId xmlns="" xmlns:p14="http://schemas.microsoft.com/office/powerpoint/2010/main" val="2508929371"/>
       </p:ext>
     </p:extLst>
   </p:cSld>
@@ -6296,7 +6285,7 @@
     </p:spTree>
     <p:extLst>
       <p:ext uri="{BB962C8B-B14F-4D97-AF65-F5344CB8AC3E}">
-        <p14:creationId xmlns:p14="http://schemas.microsoft.com/office/powerpoint/2010/main" xmlns="" val="2508929371"/>
+        <p14:creationId xmlns="" xmlns:p14="http://schemas.microsoft.com/office/powerpoint/2010/main" val="2508929371"/>
       </p:ext>
     </p:extLst>
   </p:cSld>
@@ -6350,11 +6339,7 @@
             <a:pPr algn="r"/>
             <a:r>
               <a:rPr lang="he-IL" sz="4400" b="1" dirty="0" smtClean="0"/>
-              <a:t>מערכת </a:t>
-            </a:r>
-            <a:r>
-              <a:rPr lang="he-IL" sz="4400" b="1" dirty="0" smtClean="0"/>
-              <a:t>מיחשוב</a:t>
+              <a:t>מערכת מיחשוב</a:t>
             </a:r>
             <a:endParaRPr lang="he-IL" sz="4400" b="1" dirty="0"/>
           </a:p>
@@ -6418,7 +6403,7 @@
             </a:clrChange>
             <a:extLst>
               <a:ext uri="{28A0092B-C50C-407E-A947-70E740481C1C}">
-                <a14:useLocalDpi xmlns:a14="http://schemas.microsoft.com/office/drawing/2010/main" xmlns="" val="0"/>
+                <a14:useLocalDpi xmlns="" xmlns:a14="http://schemas.microsoft.com/office/drawing/2010/main" val="0"/>
               </a:ext>
             </a:extLst>
           </a:blip>
@@ -6439,7 +6424,7 @@
     </p:spTree>
     <p:extLst>
       <p:ext uri="{BB962C8B-B14F-4D97-AF65-F5344CB8AC3E}">
-        <p14:creationId xmlns:p14="http://schemas.microsoft.com/office/powerpoint/2010/main" xmlns="" val="2508929371"/>
+        <p14:creationId xmlns="" xmlns:p14="http://schemas.microsoft.com/office/powerpoint/2010/main" val="2508929371"/>
       </p:ext>
     </p:extLst>
   </p:cSld>
@@ -6541,7 +6526,7 @@
           <a:blip r:embed="rId2" cstate="print">
             <a:extLst>
               <a:ext uri="{28A0092B-C50C-407E-A947-70E740481C1C}">
-                <a14:useLocalDpi xmlns="" xmlns:a14="http://schemas.microsoft.com/office/drawing/2010/main" val="0"/>
+                <a14:useLocalDpi xmlns:a14="http://schemas.microsoft.com/office/drawing/2010/main" xmlns="" val="0"/>
               </a:ext>
             </a:extLst>
           </a:blip>
@@ -6564,14 +6549,14 @@
           </a:ln>
           <a:extLst>
             <a:ext uri="{909E8E84-426E-40DD-AFC4-6F175D3DCCD1}">
-              <a14:hiddenFill xmlns="" xmlns:a14="http://schemas.microsoft.com/office/drawing/2010/main">
+              <a14:hiddenFill xmlns:a14="http://schemas.microsoft.com/office/drawing/2010/main" xmlns="">
                 <a:solidFill>
                   <a:srgbClr val="FFFFFF"/>
                 </a:solidFill>
               </a14:hiddenFill>
             </a:ext>
             <a:ext uri="{91240B29-F687-4F45-9708-019B960494DF}">
-              <a14:hiddenLine xmlns="" xmlns:a14="http://schemas.microsoft.com/office/drawing/2010/main" w="9525">
+              <a14:hiddenLine xmlns:a14="http://schemas.microsoft.com/office/drawing/2010/main" xmlns="" w="9525">
                 <a:solidFill>
                   <a:srgbClr val="000000"/>
                 </a:solidFill>
@@ -6586,7 +6571,7 @@
     </p:spTree>
     <p:extLst>
       <p:ext uri="{BB962C8B-B14F-4D97-AF65-F5344CB8AC3E}">
-        <p14:creationId xmlns:p14="http://schemas.microsoft.com/office/powerpoint/2010/main" xmlns="" val="2508929371"/>
+        <p14:creationId xmlns="" xmlns:p14="http://schemas.microsoft.com/office/powerpoint/2010/main" val="2508929371"/>
       </p:ext>
     </p:extLst>
   </p:cSld>
@@ -6596,105 +6581,7 @@
   <p:timing>
     <p:tnLst>
       <p:par>
-        <p:cTn id="1" dur="indefinite" restart="never" nodeType="tmRoot">
-          <p:childTnLst>
-            <p:seq concurrent="1" nextAc="seek">
-              <p:cTn id="2" dur="indefinite" nodeType="mainSeq">
-                <p:childTnLst>
-                  <p:par>
-                    <p:cTn id="3" fill="hold">
-                      <p:stCondLst>
-                        <p:cond delay="indefinite"/>
-                        <p:cond evt="onBegin" delay="0">
-                          <p:tn val="2"/>
-                        </p:cond>
-                      </p:stCondLst>
-                      <p:childTnLst>
-                        <p:par>
-                          <p:cTn id="4" fill="hold">
-                            <p:stCondLst>
-                              <p:cond delay="0"/>
-                            </p:stCondLst>
-                            <p:childTnLst>
-                              <p:par>
-                                <p:cTn id="5" presetID="1" presetClass="entr" presetSubtype="0" fill="hold" nodeType="withEffect">
-                                  <p:stCondLst>
-                                    <p:cond delay="0"/>
-                                  </p:stCondLst>
-                                  <p:childTnLst>
-                                    <p:set>
-                                      <p:cBhvr>
-                                        <p:cTn id="6" dur="1" fill="hold">
-                                          <p:stCondLst>
-                                            <p:cond delay="0"/>
-                                          </p:stCondLst>
-                                        </p:cTn>
-                                        <p:tgtEl>
-                                          <p:spTgt spid="7"/>
-                                        </p:tgtEl>
-                                        <p:attrNameLst>
-                                          <p:attrName>style.visibility</p:attrName>
-                                        </p:attrNameLst>
-                                      </p:cBhvr>
-                                      <p:to>
-                                        <p:strVal val="visible"/>
-                                      </p:to>
-                                    </p:set>
-                                  </p:childTnLst>
-                                </p:cTn>
-                              </p:par>
-                              <p:par>
-                                <p:cTn id="7" presetID="1" presetClass="exit" presetSubtype="0" fill="hold" nodeType="withEffect">
-                                  <p:stCondLst>
-                                    <p:cond delay="0"/>
-                                  </p:stCondLst>
-                                  <p:childTnLst>
-                                    <p:set>
-                                      <p:cBhvr>
-                                        <p:cTn id="8" dur="1" fill="hold">
-                                          <p:stCondLst>
-                                            <p:cond delay="0"/>
-                                          </p:stCondLst>
-                                        </p:cTn>
-                                        <p:tgtEl>
-                                          <p:spTgt spid="7"/>
-                                        </p:tgtEl>
-                                        <p:attrNameLst>
-                                          <p:attrName>style.visibility</p:attrName>
-                                        </p:attrNameLst>
-                                      </p:cBhvr>
-                                      <p:to>
-                                        <p:strVal val="hidden"/>
-                                      </p:to>
-                                    </p:set>
-                                  </p:childTnLst>
-                                </p:cTn>
-                              </p:par>
-                            </p:childTnLst>
-                          </p:cTn>
-                        </p:par>
-                      </p:childTnLst>
-                    </p:cTn>
-                  </p:par>
-                </p:childTnLst>
-              </p:cTn>
-              <p:prevCondLst>
-                <p:cond evt="onPrev" delay="0">
-                  <p:tgtEl>
-                    <p:sldTgt/>
-                  </p:tgtEl>
-                </p:cond>
-              </p:prevCondLst>
-              <p:nextCondLst>
-                <p:cond evt="onNext" delay="0">
-                  <p:tgtEl>
-                    <p:sldTgt/>
-                  </p:tgtEl>
-                </p:cond>
-              </p:nextCondLst>
-            </p:seq>
-          </p:childTnLst>
-        </p:cTn>
+        <p:cTn id="1" dur="indefinite" restart="never" nodeType="tmRoot"/>
       </p:par>
     </p:tnLst>
   </p:timing>
@@ -6823,7 +6710,7 @@
     </p:spTree>
     <p:extLst>
       <p:ext uri="{BB962C8B-B14F-4D97-AF65-F5344CB8AC3E}">
-        <p14:creationId xmlns:p14="http://schemas.microsoft.com/office/powerpoint/2010/main" xmlns="" val="2508929371"/>
+        <p14:creationId xmlns="" xmlns:p14="http://schemas.microsoft.com/office/powerpoint/2010/main" val="2508929371"/>
       </p:ext>
     </p:extLst>
   </p:cSld>
@@ -6937,7 +6824,7 @@
     </p:spTree>
     <p:extLst>
       <p:ext uri="{BB962C8B-B14F-4D97-AF65-F5344CB8AC3E}">
-        <p14:creationId xmlns="" xmlns:p14="http://schemas.microsoft.com/office/powerpoint/2010/main" val="2508929371"/>
+        <p14:creationId xmlns:p14="http://schemas.microsoft.com/office/powerpoint/2010/main" xmlns="" val="2508929371"/>
       </p:ext>
     </p:extLst>
   </p:cSld>
@@ -7205,7 +7092,7 @@
   <a:extraClrSchemeLst/>
   <a:extLst>
     <a:ext uri="{05A4C25C-085E-4340-85A3-A5531E510DB2}">
-      <thm15:themeFamily xmlns:thm15="http://schemas.microsoft.com/office/thememl/2012/main" xmlns="" name="Facet" id="{C0C680CD-088A-49FC-A102-D699147F32B2}" vid="{CFBC31BA-B70F-4F30-BCAA-4F3011E16C4D}"/>
+      <thm15:themeFamily xmlns="" xmlns:thm15="http://schemas.microsoft.com/office/thememl/2012/main" name="Facet" id="{C0C680CD-088A-49FC-A102-D699147F32B2}" vid="{CFBC31BA-B70F-4F30-BCAA-4F3011E16C4D}"/>
     </a:ext>
   </a:extLst>
 </a:theme>
